--- a/submissions/Presentation.pptx
+++ b/submissions/Presentation.pptx
@@ -5,10 +5,10 @@
     <p:sldMasterId id="2147483660" r:id="rId4"/>
   </p:sldMasterIdLst>
   <p:notesMasterIdLst>
-    <p:notesMasterId r:id="rId16"/>
+    <p:notesMasterId r:id="rId17"/>
   </p:notesMasterIdLst>
   <p:handoutMasterIdLst>
-    <p:handoutMasterId r:id="rId17"/>
+    <p:handoutMasterId r:id="rId18"/>
   </p:handoutMasterIdLst>
   <p:sldIdLst>
     <p:sldId id="298" r:id="rId5"/>
@@ -18,10 +18,11 @@
     <p:sldId id="303" r:id="rId9"/>
     <p:sldId id="304" r:id="rId10"/>
     <p:sldId id="305" r:id="rId11"/>
-    <p:sldId id="306" r:id="rId12"/>
-    <p:sldId id="307" r:id="rId13"/>
-    <p:sldId id="308" r:id="rId14"/>
-    <p:sldId id="309" r:id="rId15"/>
+    <p:sldId id="310" r:id="rId12"/>
+    <p:sldId id="306" r:id="rId13"/>
+    <p:sldId id="307" r:id="rId14"/>
+    <p:sldId id="308" r:id="rId15"/>
+    <p:sldId id="309" r:id="rId16"/>
   </p:sldIdLst>
   <p:sldSz cx="12192000" cy="6858000"/>
   <p:notesSz cx="6858000" cy="9144000"/>
@@ -4537,6 +4538,266 @@
           <p:cNvPr id="2" name="Titre 1">
             <a:extLst>
               <a:ext uri="{FF2B5EF4-FFF2-40B4-BE49-F238E27FC236}">
+                <a16:creationId xmlns:a16="http://schemas.microsoft.com/office/drawing/2014/main" id="{31E6D5B4-A945-9C6C-9A54-D5C14F6645C0}"/>
+              </a:ext>
+            </a:extLst>
+          </p:cNvPr>
+          <p:cNvSpPr>
+            <a:spLocks noGrp="1"/>
+          </p:cNvSpPr>
+          <p:nvPr>
+            <p:ph type="title"/>
+          </p:nvPr>
+        </p:nvSpPr>
+        <p:spPr/>
+        <p:txBody>
+          <a:bodyPr/>
+          <a:lstStyle/>
+          <a:p>
+            <a:r>
+              <a:rPr lang="fr-FR" dirty="0"/>
+              <a:t>V. Final </a:t>
+            </a:r>
+            <a:r>
+              <a:rPr lang="fr-FR" dirty="0" err="1"/>
+              <a:t>result</a:t>
+            </a:r>
+            <a:endParaRPr lang="fr-FR" dirty="0"/>
+          </a:p>
+        </p:txBody>
+      </p:sp>
+      <p:pic>
+        <p:nvPicPr>
+          <p:cNvPr id="6" name="Image 5">
+            <a:extLst>
+              <a:ext uri="{FF2B5EF4-FFF2-40B4-BE49-F238E27FC236}">
+                <a16:creationId xmlns:a16="http://schemas.microsoft.com/office/drawing/2014/main" id="{9969B798-2ABE-F3E9-1888-716228724342}"/>
+              </a:ext>
+            </a:extLst>
+          </p:cNvPr>
+          <p:cNvPicPr>
+            <a:picLocks noChangeAspect="1"/>
+          </p:cNvPicPr>
+          <p:nvPr/>
+        </p:nvPicPr>
+        <p:blipFill>
+          <a:blip r:embed="rId2"/>
+          <a:stretch>
+            <a:fillRect/>
+          </a:stretch>
+        </p:blipFill>
+        <p:spPr>
+          <a:xfrm>
+            <a:off x="4734278" y="3825894"/>
+            <a:ext cx="2152950" cy="1114581"/>
+          </a:xfrm>
+          <a:prstGeom prst="rect">
+            <a:avLst/>
+          </a:prstGeom>
+        </p:spPr>
+      </p:pic>
+      <p:sp>
+        <p:nvSpPr>
+          <p:cNvPr id="10" name="Espace réservé du contenu 9">
+            <a:extLst>
+              <a:ext uri="{FF2B5EF4-FFF2-40B4-BE49-F238E27FC236}">
+                <a16:creationId xmlns:a16="http://schemas.microsoft.com/office/drawing/2014/main" id="{0191ECA3-78F3-4912-FC2B-813EC94A0860}"/>
+              </a:ext>
+            </a:extLst>
+          </p:cNvPr>
+          <p:cNvSpPr>
+            <a:spLocks noGrp="1"/>
+          </p:cNvSpPr>
+          <p:nvPr>
+            <p:ph sz="half" idx="1"/>
+          </p:nvPr>
+        </p:nvSpPr>
+        <p:spPr>
+          <a:xfrm>
+            <a:off x="1097280" y="2120900"/>
+            <a:ext cx="9426946" cy="3748193"/>
+          </a:xfrm>
+        </p:spPr>
+        <p:txBody>
+          <a:bodyPr/>
+          <a:lstStyle/>
+          <a:p>
+            <a:pPr>
+              <a:buFont typeface="Wingdings" panose="05000000000000000000" pitchFamily="2" charset="2"/>
+              <a:buChar char="§"/>
+            </a:pPr>
+            <a:r>
+              <a:rPr lang="fr-FR" dirty="0"/>
+              <a:t> </a:t>
+            </a:r>
+            <a:r>
+              <a:rPr lang="fr-FR" dirty="0" err="1"/>
+              <a:t>We</a:t>
+            </a:r>
+            <a:r>
+              <a:rPr lang="fr-FR" dirty="0"/>
+              <a:t> </a:t>
+            </a:r>
+            <a:r>
+              <a:rPr lang="fr-FR" dirty="0" err="1"/>
+              <a:t>attained</a:t>
+            </a:r>
+            <a:r>
+              <a:rPr lang="fr-FR" dirty="0"/>
+              <a:t> an RMSE of max 0,7 </a:t>
+            </a:r>
+            <a:r>
+              <a:rPr lang="fr-FR" dirty="0" err="1"/>
+              <a:t>with</a:t>
+            </a:r>
+            <a:r>
+              <a:rPr lang="fr-FR" dirty="0"/>
+              <a:t> </a:t>
+            </a:r>
+            <a:r>
+              <a:rPr lang="fr-FR" dirty="0" err="1"/>
+              <a:t>linear</a:t>
+            </a:r>
+            <a:r>
+              <a:rPr lang="fr-FR" dirty="0"/>
+              <a:t> </a:t>
+            </a:r>
+            <a:r>
+              <a:rPr lang="fr-FR" dirty="0" err="1"/>
+              <a:t>models</a:t>
+            </a:r>
+            <a:endParaRPr lang="fr-FR" dirty="0"/>
+          </a:p>
+          <a:p>
+            <a:pPr marL="0" indent="0">
+              <a:buNone/>
+            </a:pPr>
+            <a:endParaRPr lang="fr-FR" dirty="0"/>
+          </a:p>
+          <a:p>
+            <a:pPr>
+              <a:buFont typeface="Wingdings" panose="05000000000000000000" pitchFamily="2" charset="2"/>
+              <a:buChar char="§"/>
+            </a:pPr>
+            <a:r>
+              <a:rPr lang="fr-FR" dirty="0"/>
+              <a:t> </a:t>
+            </a:r>
+            <a:r>
+              <a:rPr lang="fr-FR" dirty="0" err="1"/>
+              <a:t>With</a:t>
+            </a:r>
+            <a:r>
+              <a:rPr lang="fr-FR" dirty="0"/>
+              <a:t> non-</a:t>
+            </a:r>
+            <a:r>
+              <a:rPr lang="fr-FR" dirty="0" err="1"/>
+              <a:t>linear</a:t>
+            </a:r>
+            <a:r>
+              <a:rPr lang="fr-FR" dirty="0"/>
+              <a:t> </a:t>
+            </a:r>
+            <a:r>
+              <a:rPr lang="fr-FR" dirty="0" err="1"/>
+              <a:t>models</a:t>
+            </a:r>
+            <a:r>
+              <a:rPr lang="fr-FR" dirty="0"/>
+              <a:t> </a:t>
+            </a:r>
+            <a:r>
+              <a:rPr lang="fr-FR" dirty="0" err="1"/>
+              <a:t>it</a:t>
+            </a:r>
+            <a:r>
+              <a:rPr lang="fr-FR" dirty="0"/>
+              <a:t> </a:t>
+            </a:r>
+            <a:r>
+              <a:rPr lang="fr-FR" dirty="0" err="1"/>
+              <a:t>went</a:t>
+            </a:r>
+            <a:r>
+              <a:rPr lang="fr-FR" dirty="0"/>
+              <a:t> down to 0.6</a:t>
+            </a:r>
+          </a:p>
+        </p:txBody>
+      </p:sp>
+      <p:sp>
+        <p:nvSpPr>
+          <p:cNvPr id="11" name="ZoneTexte 10">
+            <a:extLst>
+              <a:ext uri="{FF2B5EF4-FFF2-40B4-BE49-F238E27FC236}">
+                <a16:creationId xmlns:a16="http://schemas.microsoft.com/office/drawing/2014/main" id="{FE8D0B64-0419-8C3A-085B-44D9C0E38B19}"/>
+              </a:ext>
+            </a:extLst>
+          </p:cNvPr>
+          <p:cNvSpPr txBox="1"/>
+          <p:nvPr/>
+        </p:nvSpPr>
+        <p:spPr>
+          <a:xfrm>
+            <a:off x="3276979" y="5143174"/>
+            <a:ext cx="5067547" cy="307777"/>
+          </a:xfrm>
+          <a:prstGeom prst="rect">
+            <a:avLst/>
+          </a:prstGeom>
+          <a:noFill/>
+        </p:spPr>
+        <p:txBody>
+          <a:bodyPr wrap="square" rtlCol="0">
+            <a:spAutoFit/>
+          </a:bodyPr>
+          <a:lstStyle/>
+          <a:p>
+            <a:pPr algn="ctr"/>
+            <a:r>
+              <a:rPr lang="en-US" sz="1400" i="1" dirty="0"/>
+              <a:t>Final results of our XGBOOST TUNED model on Kaggle </a:t>
+            </a:r>
+            <a:endParaRPr lang="fr-FR" sz="1400" i="1" dirty="0"/>
+          </a:p>
+        </p:txBody>
+      </p:sp>
+    </p:spTree>
+    <p:extLst>
+      <p:ext uri="{BB962C8B-B14F-4D97-AF65-F5344CB8AC3E}">
+        <p14:creationId xmlns:p14="http://schemas.microsoft.com/office/powerpoint/2010/main" val="1637792485"/>
+      </p:ext>
+    </p:extLst>
+  </p:cSld>
+  <p:clrMapOvr>
+    <a:masterClrMapping/>
+  </p:clrMapOvr>
+</p:sld>
+</file>
+
+<file path=ppt/slides/slide11.xml><?xml version="1.0" encoding="utf-8"?>
+<p:sld xmlns:a="http://schemas.openxmlformats.org/drawingml/2006/main" xmlns:r="http://schemas.openxmlformats.org/officeDocument/2006/relationships" xmlns:p="http://schemas.openxmlformats.org/presentationml/2006/main">
+  <p:cSld>
+    <p:spTree>
+      <p:nvGrpSpPr>
+        <p:cNvPr id="1" name=""/>
+        <p:cNvGrpSpPr/>
+        <p:nvPr/>
+      </p:nvGrpSpPr>
+      <p:grpSpPr>
+        <a:xfrm>
+          <a:off x="0" y="0"/>
+          <a:ext cx="0" cy="0"/>
+          <a:chOff x="0" y="0"/>
+          <a:chExt cx="0" cy="0"/>
+        </a:xfrm>
+      </p:grpSpPr>
+      <p:sp>
+        <p:nvSpPr>
+          <p:cNvPr id="2" name="Titre 1">
+            <a:extLst>
+              <a:ext uri="{FF2B5EF4-FFF2-40B4-BE49-F238E27FC236}">
                 <a16:creationId xmlns:a16="http://schemas.microsoft.com/office/drawing/2014/main" id="{EBFBAD32-E126-30B2-7D08-891BE1534816}"/>
               </a:ext>
             </a:extLst>
@@ -4810,7 +5071,7 @@
 </p:sld>
 </file>
 
-<file path=ppt/slides/slide11.xml><?xml version="1.0" encoding="utf-8"?>
+<file path=ppt/slides/slide12.xml><?xml version="1.0" encoding="utf-8"?>
 <p:sld xmlns:a="http://schemas.openxmlformats.org/drawingml/2006/main" xmlns:r="http://schemas.openxmlformats.org/officeDocument/2006/relationships" xmlns:p="http://schemas.openxmlformats.org/presentationml/2006/main">
   <p:cSld>
     <p:spTree>
@@ -4998,7 +5259,7 @@
             <p:ph idx="1"/>
             <p:extLst>
               <p:ext uri="{D42A27DB-BD31-4B8C-83A1-F6EECF244321}">
-                <p14:modId xmlns:p14="http://schemas.microsoft.com/office/powerpoint/2010/main" val="2886647838"/>
+                <p14:modId xmlns:p14="http://schemas.microsoft.com/office/powerpoint/2010/main" val="3991954195"/>
               </p:ext>
             </p:extLst>
           </p:nvPr>
@@ -5764,13 +6025,18 @@
                     <a:p>
                       <a:pPr algn="ctr" rtl="0"/>
                       <a:r>
-                        <a:rPr lang="fr-FR" sz="1400" cap="none" spc="0" noProof="0" dirty="0">
+                        <a:rPr lang="fr-FR" sz="1400" cap="none" spc="0" noProof="0" dirty="0" err="1">
                           <a:solidFill>
                             <a:schemeClr val="tx1"/>
                           </a:solidFill>
                         </a:rPr>
-                        <a:t>test</a:t>
+                        <a:t>XGBoost</a:t>
                       </a:r>
+                      <a:endParaRPr lang="fr-FR" sz="1400" cap="none" spc="0" noProof="0" dirty="0">
+                        <a:solidFill>
+                          <a:schemeClr val="tx1"/>
+                        </a:solidFill>
+                      </a:endParaRPr>
                     </a:p>
                   </a:txBody>
                   <a:tcPr marL="151061" marR="151061" marT="151061" marB="151061">
@@ -6749,7 +7015,7 @@
           </a:bodyPr>
           <a:lstStyle/>
           <a:p>
-            <a:pPr>
+            <a:pPr algn="just">
               <a:buFont typeface="Wingdings" panose="05000000000000000000" pitchFamily="2" charset="2"/>
               <a:buChar char="§"/>
             </a:pPr>
@@ -6767,7 +7033,7 @@
             </a:r>
           </a:p>
           <a:p>
-            <a:pPr lvl="1">
+            <a:pPr lvl="1" algn="just">
               <a:buFont typeface="Arial" panose="020B0604020202020204" pitchFamily="34" charset="0"/>
               <a:buChar char="•"/>
             </a:pPr>
@@ -6782,7 +7048,7 @@
             <a:endParaRPr lang="fr-FR" dirty="0"/>
           </a:p>
           <a:p>
-            <a:pPr lvl="1">
+            <a:pPr lvl="1" algn="just">
               <a:buFont typeface="Arial" panose="020B0604020202020204" pitchFamily="34" charset="0"/>
               <a:buChar char="•"/>
             </a:pPr>
@@ -6797,7 +7063,7 @@
             <a:endParaRPr lang="fr-FR" dirty="0"/>
           </a:p>
           <a:p>
-            <a:pPr lvl="1">
+            <a:pPr lvl="1" algn="just">
               <a:buFont typeface="Arial" panose="020B0604020202020204" pitchFamily="34" charset="0"/>
               <a:buChar char="•"/>
             </a:pPr>
@@ -6812,7 +7078,7 @@
             <a:endParaRPr lang="fr-FR" dirty="0"/>
           </a:p>
           <a:p>
-            <a:pPr>
+            <a:pPr algn="just">
               <a:buFont typeface="Wingdings" panose="05000000000000000000" pitchFamily="2" charset="2"/>
               <a:buChar char="§"/>
             </a:pPr>
@@ -6822,7 +7088,7 @@
             </a:r>
           </a:p>
           <a:p>
-            <a:pPr lvl="1">
+            <a:pPr lvl="1" algn="just">
               <a:buFont typeface="Wingdings" panose="05000000000000000000" pitchFamily="2" charset="2"/>
               <a:buChar char="§"/>
             </a:pPr>
@@ -6873,7 +7139,7 @@
             <a:endParaRPr lang="fr-FR" dirty="0"/>
           </a:p>
           <a:p>
-            <a:pPr lvl="1">
+            <a:pPr lvl="1" algn="just">
               <a:buFont typeface="Wingdings" panose="05000000000000000000" pitchFamily="2" charset="2"/>
               <a:buChar char="§"/>
             </a:pPr>
@@ -6884,7 +7150,7 @@
             <a:endParaRPr lang="fr-FR" dirty="0"/>
           </a:p>
           <a:p>
-            <a:pPr>
+            <a:pPr algn="just">
               <a:buFont typeface="Wingdings" panose="05000000000000000000" pitchFamily="2" charset="2"/>
               <a:buChar char="§"/>
             </a:pPr>
@@ -6894,7 +7160,7 @@
             </a:r>
           </a:p>
           <a:p>
-            <a:pPr lvl="1">
+            <a:pPr lvl="1" algn="just">
               <a:buFont typeface="Wingdings" panose="05000000000000000000" pitchFamily="2" charset="2"/>
               <a:buChar char="§"/>
             </a:pPr>
@@ -6905,7 +7171,7 @@
             <a:endParaRPr lang="fr-FR" dirty="0"/>
           </a:p>
           <a:p>
-            <a:pPr lvl="1">
+            <a:pPr lvl="1" algn="just">
               <a:buFont typeface="Wingdings" panose="05000000000000000000" pitchFamily="2" charset="2"/>
               <a:buChar char="§"/>
             </a:pPr>
@@ -6916,7 +7182,7 @@
             <a:endParaRPr lang="fr-FR" dirty="0"/>
           </a:p>
           <a:p>
-            <a:pPr lvl="1">
+            <a:pPr lvl="1" algn="just">
               <a:buFont typeface="Wingdings" panose="05000000000000000000" pitchFamily="2" charset="2"/>
               <a:buChar char="§"/>
             </a:pPr>
@@ -6946,7 +7212,7 @@
             </a:r>
           </a:p>
           <a:p>
-            <a:pPr lvl="1">
+            <a:pPr lvl="1" algn="just">
               <a:buFont typeface="Wingdings" panose="05000000000000000000" pitchFamily="2" charset="2"/>
               <a:buChar char="§"/>
             </a:pPr>
@@ -6972,7 +7238,7 @@
             </a:r>
           </a:p>
           <a:p>
-            <a:pPr>
+            <a:pPr algn="just">
               <a:buFont typeface="Wingdings" panose="05000000000000000000" pitchFamily="2" charset="2"/>
               <a:buChar char="§"/>
             </a:pPr>
@@ -6982,7 +7248,7 @@
             </a:r>
           </a:p>
           <a:p>
-            <a:pPr lvl="1">
+            <a:pPr lvl="1" algn="just">
               <a:buFont typeface="Wingdings" panose="05000000000000000000" pitchFamily="2" charset="2"/>
               <a:buChar char="§"/>
             </a:pPr>
@@ -7012,7 +7278,7 @@
             </a:r>
           </a:p>
           <a:p>
-            <a:pPr lvl="1">
+            <a:pPr lvl="1" algn="just">
               <a:buFont typeface="Wingdings" panose="05000000000000000000" pitchFamily="2" charset="2"/>
               <a:buChar char="§"/>
             </a:pPr>
@@ -7263,7 +7529,7 @@
           </a:bodyPr>
           <a:lstStyle/>
           <a:p>
-            <a:pPr>
+            <a:pPr algn="just">
               <a:buFont typeface="Wingdings" panose="05000000000000000000" pitchFamily="2" charset="2"/>
               <a:buChar char="§"/>
             </a:pPr>
@@ -7305,7 +7571,7 @@
             </a:r>
           </a:p>
           <a:p>
-            <a:pPr>
+            <a:pPr algn="just">
               <a:buFont typeface="Wingdings" panose="05000000000000000000" pitchFamily="2" charset="2"/>
               <a:buChar char="§"/>
             </a:pPr>
@@ -7355,7 +7621,7 @@
             </a:r>
           </a:p>
           <a:p>
-            <a:pPr lvl="1">
+            <a:pPr lvl="1" algn="just">
               <a:buFont typeface="Wingdings" panose="05000000000000000000" pitchFamily="2" charset="2"/>
               <a:buChar char="§"/>
             </a:pPr>
@@ -7366,7 +7632,7 @@
             <a:endParaRPr lang="fr-FR" i="1" dirty="0"/>
           </a:p>
           <a:p>
-            <a:pPr lvl="1">
+            <a:pPr lvl="1" algn="just">
               <a:buFont typeface="Wingdings" panose="05000000000000000000" pitchFamily="2" charset="2"/>
               <a:buChar char="§"/>
             </a:pPr>
@@ -7377,7 +7643,7 @@
             <a:endParaRPr lang="fr-FR" i="1" dirty="0"/>
           </a:p>
           <a:p>
-            <a:pPr lvl="1">
+            <a:pPr lvl="1" algn="just">
               <a:buFont typeface="Wingdings" panose="05000000000000000000" pitchFamily="2" charset="2"/>
               <a:buChar char="§"/>
             </a:pPr>
@@ -7387,7 +7653,7 @@
             </a:r>
           </a:p>
           <a:p>
-            <a:pPr lvl="1">
+            <a:pPr lvl="1" algn="just">
               <a:buFont typeface="Wingdings" panose="05000000000000000000" pitchFamily="2" charset="2"/>
               <a:buChar char="§"/>
             </a:pPr>
@@ -7398,7 +7664,7 @@
             <a:endParaRPr lang="fr-FR" i="1" dirty="0"/>
           </a:p>
           <a:p>
-            <a:pPr lvl="1">
+            <a:pPr lvl="1" algn="just">
               <a:buFont typeface="Wingdings" panose="05000000000000000000" pitchFamily="2" charset="2"/>
               <a:buChar char="§"/>
             </a:pPr>
@@ -7409,7 +7675,7 @@
             <a:endParaRPr lang="fr-FR" i="1" dirty="0"/>
           </a:p>
           <a:p>
-            <a:pPr>
+            <a:pPr algn="just">
               <a:buFont typeface="Wingdings" panose="05000000000000000000" pitchFamily="2" charset="2"/>
               <a:buChar char="§"/>
             </a:pPr>
@@ -7475,7 +7741,7 @@
             </a:r>
           </a:p>
           <a:p>
-            <a:pPr>
+            <a:pPr algn="just">
               <a:buFont typeface="Wingdings" panose="05000000000000000000" pitchFamily="2" charset="2"/>
               <a:buChar char="§"/>
             </a:pPr>
@@ -7517,7 +7783,7 @@
             </a:r>
           </a:p>
           <a:p>
-            <a:pPr>
+            <a:pPr algn="just">
               <a:buFont typeface="Wingdings" panose="05000000000000000000" pitchFamily="2" charset="2"/>
               <a:buChar char="§"/>
             </a:pPr>
@@ -7762,7 +8028,7 @@
         </p:nvSpPr>
         <p:spPr>
           <a:xfrm>
-            <a:off x="6126480" y="2605712"/>
+            <a:off x="5853402" y="2618914"/>
             <a:ext cx="6065520" cy="4010550"/>
           </a:xfrm>
         </p:spPr>
@@ -7772,7 +8038,7 @@
           </a:bodyPr>
           <a:lstStyle/>
           <a:p>
-            <a:pPr>
+            <a:pPr algn="just">
               <a:buFont typeface="Wingdings" panose="05000000000000000000" pitchFamily="2" charset="2"/>
               <a:buChar char="§"/>
             </a:pPr>
@@ -7782,7 +8048,7 @@
             </a:r>
           </a:p>
           <a:p>
-            <a:pPr>
+            <a:pPr algn="just">
               <a:buFont typeface="Wingdings" panose="05000000000000000000" pitchFamily="2" charset="2"/>
               <a:buChar char="§"/>
             </a:pPr>
@@ -7792,7 +8058,7 @@
             </a:r>
           </a:p>
           <a:p>
-            <a:pPr lvl="1">
+            <a:pPr lvl="1" algn="just">
               <a:buFont typeface="Wingdings" panose="05000000000000000000" pitchFamily="2" charset="2"/>
               <a:buChar char="§"/>
             </a:pPr>
@@ -7822,7 +8088,7 @@
             </a:r>
           </a:p>
           <a:p>
-            <a:pPr lvl="1">
+            <a:pPr lvl="1" algn="just">
               <a:buFont typeface="Wingdings" panose="05000000000000000000" pitchFamily="2" charset="2"/>
               <a:buChar char="§"/>
             </a:pPr>
@@ -7836,42 +8102,42 @@
             </a:r>
           </a:p>
           <a:p>
-            <a:pPr lvl="1">
+            <a:pPr lvl="1" algn="just">
               <a:buFont typeface="Wingdings" panose="05000000000000000000" pitchFamily="2" charset="2"/>
               <a:buChar char="§"/>
             </a:pPr>
             <a:endParaRPr lang="en-US" dirty="0"/>
           </a:p>
           <a:p>
-            <a:pPr lvl="1">
+            <a:pPr lvl="1" algn="just">
               <a:buFont typeface="Wingdings" panose="05000000000000000000" pitchFamily="2" charset="2"/>
               <a:buChar char="§"/>
             </a:pPr>
             <a:endParaRPr lang="en-US" dirty="0"/>
           </a:p>
           <a:p>
-            <a:pPr lvl="1">
+            <a:pPr lvl="1" algn="just">
               <a:buFont typeface="Wingdings" panose="05000000000000000000" pitchFamily="2" charset="2"/>
               <a:buChar char="§"/>
             </a:pPr>
             <a:endParaRPr lang="en-US" dirty="0"/>
           </a:p>
           <a:p>
-            <a:pPr lvl="1">
+            <a:pPr lvl="1" algn="just">
               <a:buFont typeface="Wingdings" panose="05000000000000000000" pitchFamily="2" charset="2"/>
               <a:buChar char="§"/>
             </a:pPr>
             <a:endParaRPr lang="en-US" dirty="0"/>
           </a:p>
           <a:p>
-            <a:pPr lvl="1">
+            <a:pPr lvl="1" algn="just">
               <a:buFont typeface="Wingdings" panose="05000000000000000000" pitchFamily="2" charset="2"/>
               <a:buChar char="§"/>
             </a:pPr>
             <a:endParaRPr lang="en-US" dirty="0"/>
           </a:p>
           <a:p>
-            <a:pPr>
+            <a:pPr algn="just">
               <a:buFont typeface="Wingdings" panose="05000000000000000000" pitchFamily="2" charset="2"/>
               <a:buChar char="§"/>
             </a:pPr>
@@ -7965,7 +8231,7 @@
         </p:blipFill>
         <p:spPr>
           <a:xfrm>
-            <a:off x="6591840" y="4116533"/>
+            <a:off x="6591840" y="4191181"/>
             <a:ext cx="3839111" cy="1505160"/>
           </a:xfrm>
           <a:prstGeom prst="rect">
@@ -8209,6 +8475,7 @@
           </a:bodyPr>
           <a:lstStyle/>
           <a:p>
+            <a:pPr algn="just"/>
             <a:r>
               <a:rPr lang="fr-FR" dirty="0"/>
               <a:t> </a:t>
@@ -8295,7 +8562,7 @@
             </a:r>
           </a:p>
           <a:p>
-            <a:pPr>
+            <a:pPr algn="just">
               <a:buFont typeface="Wingdings" panose="05000000000000000000" pitchFamily="2" charset="2"/>
               <a:buChar char="§"/>
             </a:pPr>
@@ -8337,7 +8604,7 @@
             </a:r>
           </a:p>
           <a:p>
-            <a:pPr lvl="1">
+            <a:pPr lvl="1" algn="just">
               <a:buFont typeface="Wingdings" panose="05000000000000000000" pitchFamily="2" charset="2"/>
               <a:buChar char="§"/>
             </a:pPr>
@@ -8423,7 +8690,7 @@
             </a:r>
           </a:p>
           <a:p>
-            <a:pPr>
+            <a:pPr algn="just">
               <a:buFont typeface="Wingdings" panose="05000000000000000000" pitchFamily="2" charset="2"/>
               <a:buChar char="§"/>
             </a:pPr>
@@ -8477,7 +8744,7 @@
             </a:r>
           </a:p>
           <a:p>
-            <a:pPr lvl="1">
+            <a:pPr lvl="1" algn="just">
               <a:buFont typeface="Wingdings" panose="05000000000000000000" pitchFamily="2" charset="2"/>
               <a:buChar char="§"/>
             </a:pPr>
@@ -8607,7 +8874,7 @@
             </a:r>
           </a:p>
           <a:p>
-            <a:pPr>
+            <a:pPr algn="just">
               <a:buFont typeface="Wingdings" panose="05000000000000000000" pitchFamily="2" charset="2"/>
               <a:buChar char="§"/>
             </a:pPr>
@@ -8662,7 +8929,7 @@
             <a:endParaRPr lang="fr-FR" i="1" dirty="0"/>
           </a:p>
           <a:p>
-            <a:pPr>
+            <a:pPr algn="just">
               <a:buFont typeface="Wingdings" panose="05000000000000000000" pitchFamily="2" charset="2"/>
               <a:buChar char="§"/>
             </a:pPr>
@@ -8696,7 +8963,7 @@
             </a:r>
           </a:p>
           <a:p>
-            <a:pPr lvl="1">
+            <a:pPr lvl="1" algn="just">
               <a:buFont typeface="Wingdings" panose="05000000000000000000" pitchFamily="2" charset="2"/>
               <a:buChar char="§"/>
             </a:pPr>
@@ -8739,6 +9006,7 @@
             <a:endParaRPr lang="fr-FR" sz="1400" i="1" dirty="0"/>
           </a:p>
           <a:p>
+            <a:pPr algn="just"/>
             <a:endParaRPr lang="fr-FR" dirty="0"/>
           </a:p>
         </p:txBody>
@@ -8834,6 +9102,240 @@
 </file>
 
 <file path=ppt/slides/slide8.xml><?xml version="1.0" encoding="utf-8"?>
+<p:sld xmlns:a="http://schemas.openxmlformats.org/drawingml/2006/main" xmlns:r="http://schemas.openxmlformats.org/officeDocument/2006/relationships" xmlns:p="http://schemas.openxmlformats.org/presentationml/2006/main">
+  <p:cSld>
+    <p:spTree>
+      <p:nvGrpSpPr>
+        <p:cNvPr id="1" name=""/>
+        <p:cNvGrpSpPr/>
+        <p:nvPr/>
+      </p:nvGrpSpPr>
+      <p:grpSpPr>
+        <a:xfrm>
+          <a:off x="0" y="0"/>
+          <a:ext cx="0" cy="0"/>
+          <a:chOff x="0" y="0"/>
+          <a:chExt cx="0" cy="0"/>
+        </a:xfrm>
+      </p:grpSpPr>
+      <p:sp>
+        <p:nvSpPr>
+          <p:cNvPr id="2" name="Titre 1">
+            <a:extLst>
+              <a:ext uri="{FF2B5EF4-FFF2-40B4-BE49-F238E27FC236}">
+                <a16:creationId xmlns:a16="http://schemas.microsoft.com/office/drawing/2014/main" id="{882D351F-64C6-DFD0-BE4E-F1E95E80B444}"/>
+              </a:ext>
+            </a:extLst>
+          </p:cNvPr>
+          <p:cNvSpPr>
+            <a:spLocks noGrp="1"/>
+          </p:cNvSpPr>
+          <p:nvPr>
+            <p:ph type="title"/>
+          </p:nvPr>
+        </p:nvSpPr>
+        <p:spPr/>
+        <p:txBody>
+          <a:bodyPr/>
+          <a:lstStyle/>
+          <a:p>
+            <a:r>
+              <a:rPr lang="fr-FR" dirty="0"/>
+              <a:t>IV. </a:t>
+            </a:r>
+            <a:r>
+              <a:rPr lang="fr-FR" dirty="0" err="1"/>
+              <a:t>Feature</a:t>
+            </a:r>
+            <a:r>
+              <a:rPr lang="fr-FR" dirty="0"/>
+              <a:t> </a:t>
+            </a:r>
+            <a:r>
+              <a:rPr lang="fr-FR" dirty="0" err="1"/>
+              <a:t>selection</a:t>
+            </a:r>
+            <a:endParaRPr lang="fr-FR" dirty="0"/>
+          </a:p>
+        </p:txBody>
+      </p:sp>
+      <p:pic>
+        <p:nvPicPr>
+          <p:cNvPr id="6" name="Espace réservé du contenu 5" descr="Une image contenant capture d’écran, Rectangle, diagramme, carré&#10;&#10;Description générée automatiquement">
+            <a:extLst>
+              <a:ext uri="{FF2B5EF4-FFF2-40B4-BE49-F238E27FC236}">
+                <a16:creationId xmlns:a16="http://schemas.microsoft.com/office/drawing/2014/main" id="{CC8A8513-E307-8440-7FF3-213E6411C17C}"/>
+              </a:ext>
+            </a:extLst>
+          </p:cNvPr>
+          <p:cNvPicPr>
+            <a:picLocks noGrp="1" noChangeAspect="1"/>
+          </p:cNvPicPr>
+          <p:nvPr>
+            <p:ph sz="half" idx="1"/>
+          </p:nvPr>
+        </p:nvPicPr>
+        <p:blipFill>
+          <a:blip r:embed="rId2"/>
+          <a:stretch>
+            <a:fillRect/>
+          </a:stretch>
+        </p:blipFill>
+        <p:spPr>
+          <a:xfrm>
+            <a:off x="973511" y="1943903"/>
+            <a:ext cx="4522996" cy="4010550"/>
+          </a:xfrm>
+        </p:spPr>
+      </p:pic>
+      <p:sp>
+        <p:nvSpPr>
+          <p:cNvPr id="9" name="Content Placeholder 3">
+            <a:extLst>
+              <a:ext uri="{FF2B5EF4-FFF2-40B4-BE49-F238E27FC236}">
+                <a16:creationId xmlns:a16="http://schemas.microsoft.com/office/drawing/2014/main" id="{803F5C1E-53ED-0626-2535-04F61719A4D6}"/>
+              </a:ext>
+            </a:extLst>
+          </p:cNvPr>
+          <p:cNvSpPr>
+            <a:spLocks noGrp="1"/>
+          </p:cNvSpPr>
+          <p:nvPr>
+            <p:ph sz="half" idx="2"/>
+          </p:nvPr>
+        </p:nvSpPr>
+        <p:spPr>
+          <a:xfrm>
+            <a:off x="5958529" y="2097791"/>
+            <a:ext cx="6065520" cy="4010550"/>
+          </a:xfrm>
+        </p:spPr>
+        <p:txBody>
+          <a:bodyPr>
+            <a:normAutofit/>
+          </a:bodyPr>
+          <a:lstStyle/>
+          <a:p>
+            <a:pPr algn="just">
+              <a:buFont typeface="Wingdings" panose="05000000000000000000" pitchFamily="2" charset="2"/>
+              <a:buChar char="§"/>
+            </a:pPr>
+            <a:r>
+              <a:rPr lang="en-US" dirty="0"/>
+              <a:t> Having redundant features can still make the model more complex than necessary</a:t>
+            </a:r>
+          </a:p>
+          <a:p>
+            <a:pPr algn="just">
+              <a:buFont typeface="Wingdings" panose="05000000000000000000" pitchFamily="2" charset="2"/>
+              <a:buChar char="§"/>
+            </a:pPr>
+            <a:endParaRPr lang="en-US" dirty="0"/>
+          </a:p>
+          <a:p>
+            <a:pPr algn="just">
+              <a:buFont typeface="Wingdings" panose="05000000000000000000" pitchFamily="2" charset="2"/>
+              <a:buChar char="§"/>
+            </a:pPr>
+            <a:r>
+              <a:rPr lang="en-US" dirty="0"/>
+              <a:t> We tried to limit the amount of features added especially those correlated. Here only </a:t>
+            </a:r>
+            <a:r>
+              <a:rPr lang="en-US" i="1" dirty="0"/>
+              <a:t>t</a:t>
+            </a:r>
+            <a:r>
+              <a:rPr lang="en-US" dirty="0"/>
+              <a:t>, </a:t>
+            </a:r>
+            <a:r>
+              <a:rPr lang="en-US" i="1" dirty="0"/>
+              <a:t>u</a:t>
+            </a:r>
+            <a:r>
+              <a:rPr lang="en-US" dirty="0"/>
+              <a:t> and </a:t>
+            </a:r>
+            <a:r>
+              <a:rPr lang="en-US" i="1" dirty="0"/>
+              <a:t>hosp</a:t>
+            </a:r>
+            <a:r>
+              <a:rPr lang="en-US" dirty="0"/>
+              <a:t> have high correlation</a:t>
+            </a:r>
+          </a:p>
+          <a:p>
+            <a:pPr algn="just">
+              <a:buFont typeface="Wingdings" panose="05000000000000000000" pitchFamily="2" charset="2"/>
+              <a:buChar char="§"/>
+            </a:pPr>
+            <a:endParaRPr lang="en-US" dirty="0"/>
+          </a:p>
+          <a:p>
+            <a:pPr algn="just">
+              <a:buFont typeface="Wingdings" panose="05000000000000000000" pitchFamily="2" charset="2"/>
+              <a:buChar char="§"/>
+            </a:pPr>
+            <a:r>
+              <a:rPr lang="en-US" dirty="0"/>
+              <a:t> And these are probably spurious correlation</a:t>
+            </a:r>
+          </a:p>
+        </p:txBody>
+      </p:sp>
+      <p:sp>
+        <p:nvSpPr>
+          <p:cNvPr id="12" name="ZoneTexte 11">
+            <a:extLst>
+              <a:ext uri="{FF2B5EF4-FFF2-40B4-BE49-F238E27FC236}">
+                <a16:creationId xmlns:a16="http://schemas.microsoft.com/office/drawing/2014/main" id="{6DE4E29C-22AA-B959-8F31-5A45ADC1CB68}"/>
+              </a:ext>
+            </a:extLst>
+          </p:cNvPr>
+          <p:cNvSpPr txBox="1"/>
+          <p:nvPr/>
+        </p:nvSpPr>
+        <p:spPr>
+          <a:xfrm>
+            <a:off x="1172327" y="5954453"/>
+            <a:ext cx="4125363" cy="307777"/>
+          </a:xfrm>
+          <a:prstGeom prst="rect">
+            <a:avLst/>
+          </a:prstGeom>
+          <a:noFill/>
+        </p:spPr>
+        <p:txBody>
+          <a:bodyPr wrap="square" rtlCol="0">
+            <a:spAutoFit/>
+          </a:bodyPr>
+          <a:lstStyle/>
+          <a:p>
+            <a:pPr algn="ctr"/>
+            <a:r>
+              <a:rPr lang="en-US" sz="1400" i="1" dirty="0"/>
+              <a:t>Correlation matrix for external features added</a:t>
+            </a:r>
+            <a:endParaRPr lang="fr-FR" sz="1400" i="1" dirty="0"/>
+          </a:p>
+        </p:txBody>
+      </p:sp>
+    </p:spTree>
+    <p:extLst>
+      <p:ext uri="{BB962C8B-B14F-4D97-AF65-F5344CB8AC3E}">
+        <p14:creationId xmlns:p14="http://schemas.microsoft.com/office/powerpoint/2010/main" val="488394770"/>
+      </p:ext>
+    </p:extLst>
+  </p:cSld>
+  <p:clrMapOvr>
+    <a:masterClrMapping/>
+  </p:clrMapOvr>
+</p:sld>
+</file>
+
+<file path=ppt/slides/slide9.xml><?xml version="1.0" encoding="utf-8"?>
 <p:sld xmlns:a="http://schemas.openxmlformats.org/drawingml/2006/main" xmlns:r="http://schemas.openxmlformats.org/officeDocument/2006/relationships" xmlns:p="http://schemas.openxmlformats.org/presentationml/2006/main">
   <p:cSld>
     <p:spTree>
@@ -9162,262 +9664,6 @@
     <p:extLst>
       <p:ext uri="{BB962C8B-B14F-4D97-AF65-F5344CB8AC3E}">
         <p14:creationId xmlns:p14="http://schemas.microsoft.com/office/powerpoint/2010/main" val="4130006535"/>
-      </p:ext>
-    </p:extLst>
-  </p:cSld>
-  <p:clrMapOvr>
-    <a:masterClrMapping/>
-  </p:clrMapOvr>
-</p:sld>
-</file>
-
-<file path=ppt/slides/slide9.xml><?xml version="1.0" encoding="utf-8"?>
-<p:sld xmlns:a="http://schemas.openxmlformats.org/drawingml/2006/main" xmlns:r="http://schemas.openxmlformats.org/officeDocument/2006/relationships" xmlns:p="http://schemas.openxmlformats.org/presentationml/2006/main">
-  <p:cSld>
-    <p:spTree>
-      <p:nvGrpSpPr>
-        <p:cNvPr id="1" name=""/>
-        <p:cNvGrpSpPr/>
-        <p:nvPr/>
-      </p:nvGrpSpPr>
-      <p:grpSpPr>
-        <a:xfrm>
-          <a:off x="0" y="0"/>
-          <a:ext cx="0" cy="0"/>
-          <a:chOff x="0" y="0"/>
-          <a:chExt cx="0" cy="0"/>
-        </a:xfrm>
-      </p:grpSpPr>
-      <p:sp>
-        <p:nvSpPr>
-          <p:cNvPr id="2" name="Titre 1">
-            <a:extLst>
-              <a:ext uri="{FF2B5EF4-FFF2-40B4-BE49-F238E27FC236}">
-                <a16:creationId xmlns:a16="http://schemas.microsoft.com/office/drawing/2014/main" id="{31E6D5B4-A945-9C6C-9A54-D5C14F6645C0}"/>
-              </a:ext>
-            </a:extLst>
-          </p:cNvPr>
-          <p:cNvSpPr>
-            <a:spLocks noGrp="1"/>
-          </p:cNvSpPr>
-          <p:nvPr>
-            <p:ph type="title"/>
-          </p:nvPr>
-        </p:nvSpPr>
-        <p:spPr/>
-        <p:txBody>
-          <a:bodyPr/>
-          <a:lstStyle/>
-          <a:p>
-            <a:r>
-              <a:rPr lang="fr-FR" dirty="0"/>
-              <a:t>V. Final </a:t>
-            </a:r>
-            <a:r>
-              <a:rPr lang="fr-FR" dirty="0" err="1"/>
-              <a:t>result</a:t>
-            </a:r>
-            <a:endParaRPr lang="fr-FR" dirty="0"/>
-          </a:p>
-        </p:txBody>
-      </p:sp>
-      <p:pic>
-        <p:nvPicPr>
-          <p:cNvPr id="6" name="Image 5">
-            <a:extLst>
-              <a:ext uri="{FF2B5EF4-FFF2-40B4-BE49-F238E27FC236}">
-                <a16:creationId xmlns:a16="http://schemas.microsoft.com/office/drawing/2014/main" id="{9969B798-2ABE-F3E9-1888-716228724342}"/>
-              </a:ext>
-            </a:extLst>
-          </p:cNvPr>
-          <p:cNvPicPr>
-            <a:picLocks noChangeAspect="1"/>
-          </p:cNvPicPr>
-          <p:nvPr/>
-        </p:nvPicPr>
-        <p:blipFill>
-          <a:blip r:embed="rId2"/>
-          <a:stretch>
-            <a:fillRect/>
-          </a:stretch>
-        </p:blipFill>
-        <p:spPr>
-          <a:xfrm>
-            <a:off x="4734278" y="3825894"/>
-            <a:ext cx="2152950" cy="1114581"/>
-          </a:xfrm>
-          <a:prstGeom prst="rect">
-            <a:avLst/>
-          </a:prstGeom>
-        </p:spPr>
-      </p:pic>
-      <p:sp>
-        <p:nvSpPr>
-          <p:cNvPr id="10" name="Espace réservé du contenu 9">
-            <a:extLst>
-              <a:ext uri="{FF2B5EF4-FFF2-40B4-BE49-F238E27FC236}">
-                <a16:creationId xmlns:a16="http://schemas.microsoft.com/office/drawing/2014/main" id="{0191ECA3-78F3-4912-FC2B-813EC94A0860}"/>
-              </a:ext>
-            </a:extLst>
-          </p:cNvPr>
-          <p:cNvSpPr>
-            <a:spLocks noGrp="1"/>
-          </p:cNvSpPr>
-          <p:nvPr>
-            <p:ph sz="half" idx="1"/>
-          </p:nvPr>
-        </p:nvSpPr>
-        <p:spPr>
-          <a:xfrm>
-            <a:off x="1097280" y="2120900"/>
-            <a:ext cx="9426946" cy="3748193"/>
-          </a:xfrm>
-        </p:spPr>
-        <p:txBody>
-          <a:bodyPr/>
-          <a:lstStyle/>
-          <a:p>
-            <a:pPr>
-              <a:buFont typeface="Wingdings" panose="05000000000000000000" pitchFamily="2" charset="2"/>
-              <a:buChar char="§"/>
-            </a:pPr>
-            <a:r>
-              <a:rPr lang="fr-FR" dirty="0" err="1"/>
-              <a:t>We</a:t>
-            </a:r>
-            <a:r>
-              <a:rPr lang="fr-FR" dirty="0"/>
-              <a:t> </a:t>
-            </a:r>
-            <a:r>
-              <a:rPr lang="fr-FR" dirty="0" err="1"/>
-              <a:t>attained</a:t>
-            </a:r>
-            <a:r>
-              <a:rPr lang="fr-FR" dirty="0"/>
-              <a:t> an RMSE of max 0,7 </a:t>
-            </a:r>
-            <a:r>
-              <a:rPr lang="fr-FR" dirty="0" err="1"/>
-              <a:t>with</a:t>
-            </a:r>
-            <a:r>
-              <a:rPr lang="fr-FR" dirty="0"/>
-              <a:t> </a:t>
-            </a:r>
-            <a:r>
-              <a:rPr lang="fr-FR" dirty="0" err="1"/>
-              <a:t>linear</a:t>
-            </a:r>
-            <a:r>
-              <a:rPr lang="fr-FR" dirty="0"/>
-              <a:t> </a:t>
-            </a:r>
-            <a:r>
-              <a:rPr lang="fr-FR" dirty="0" err="1"/>
-              <a:t>models</a:t>
-            </a:r>
-            <a:endParaRPr lang="fr-FR" dirty="0"/>
-          </a:p>
-          <a:p>
-            <a:pPr marL="0" indent="0">
-              <a:buNone/>
-            </a:pPr>
-            <a:endParaRPr lang="fr-FR" dirty="0"/>
-          </a:p>
-          <a:p>
-            <a:pPr>
-              <a:buFont typeface="Wingdings" panose="05000000000000000000" pitchFamily="2" charset="2"/>
-              <a:buChar char="§"/>
-            </a:pPr>
-            <a:r>
-              <a:rPr lang="fr-FR" dirty="0"/>
-              <a:t> </a:t>
-            </a:r>
-            <a:r>
-              <a:rPr lang="fr-FR" dirty="0" err="1"/>
-              <a:t>With</a:t>
-            </a:r>
-            <a:r>
-              <a:rPr lang="fr-FR" dirty="0"/>
-              <a:t> non-</a:t>
-            </a:r>
-            <a:r>
-              <a:rPr lang="fr-FR" dirty="0" err="1"/>
-              <a:t>linear</a:t>
-            </a:r>
-            <a:r>
-              <a:rPr lang="fr-FR" dirty="0"/>
-              <a:t> </a:t>
-            </a:r>
-            <a:r>
-              <a:rPr lang="fr-FR" dirty="0" err="1"/>
-              <a:t>models</a:t>
-            </a:r>
-            <a:r>
-              <a:rPr lang="fr-FR" dirty="0"/>
-              <a:t> </a:t>
-            </a:r>
-            <a:r>
-              <a:rPr lang="fr-FR" dirty="0" err="1"/>
-              <a:t>it</a:t>
-            </a:r>
-            <a:r>
-              <a:rPr lang="fr-FR" dirty="0"/>
-              <a:t> </a:t>
-            </a:r>
-            <a:r>
-              <a:rPr lang="fr-FR" dirty="0" err="1"/>
-              <a:t>went</a:t>
-            </a:r>
-            <a:r>
-              <a:rPr lang="fr-FR" dirty="0"/>
-              <a:t> down to 0.6</a:t>
-            </a:r>
-          </a:p>
-        </p:txBody>
-      </p:sp>
-      <p:sp>
-        <p:nvSpPr>
-          <p:cNvPr id="11" name="ZoneTexte 10">
-            <a:extLst>
-              <a:ext uri="{FF2B5EF4-FFF2-40B4-BE49-F238E27FC236}">
-                <a16:creationId xmlns:a16="http://schemas.microsoft.com/office/drawing/2014/main" id="{FE8D0B64-0419-8C3A-085B-44D9C0E38B19}"/>
-              </a:ext>
-            </a:extLst>
-          </p:cNvPr>
-          <p:cNvSpPr txBox="1"/>
-          <p:nvPr/>
-        </p:nvSpPr>
-        <p:spPr>
-          <a:xfrm>
-            <a:off x="3276979" y="5143174"/>
-            <a:ext cx="5067547" cy="307777"/>
-          </a:xfrm>
-          <a:prstGeom prst="rect">
-            <a:avLst/>
-          </a:prstGeom>
-          <a:noFill/>
-        </p:spPr>
-        <p:txBody>
-          <a:bodyPr wrap="square" rtlCol="0">
-            <a:spAutoFit/>
-          </a:bodyPr>
-          <a:lstStyle/>
-          <a:p>
-            <a:pPr algn="ctr"/>
-            <a:r>
-              <a:rPr lang="en-US" sz="1400" i="1" dirty="0"/>
-              <a:t>Final results of our XGBOOST TUNED model on Kaggle </a:t>
-            </a:r>
-            <a:endParaRPr lang="fr-FR" sz="1400" i="1" dirty="0"/>
-          </a:p>
-        </p:txBody>
-      </p:sp>
-    </p:spTree>
-    <p:extLst>
-      <p:ext uri="{BB962C8B-B14F-4D97-AF65-F5344CB8AC3E}">
-        <p14:creationId xmlns:p14="http://schemas.microsoft.com/office/powerpoint/2010/main" val="1637792485"/>
       </p:ext>
     </p:extLst>
   </p:cSld>
@@ -10319,15 +10565,6 @@
 </file>
 
 <file path=customXml/item1.xml><?xml version="1.0" encoding="utf-8"?>
-<?mso-contentType ?>
-<FormTemplates xmlns="http://schemas.microsoft.com/sharepoint/v3/contenttype/forms">
-  <Display>DocumentLibraryForm</Display>
-  <Edit>DocumentLibraryForm</Edit>
-  <New>DocumentLibraryForm</New>
-</FormTemplates>
-</file>
-
-<file path=customXml/item2.xml><?xml version="1.0" encoding="utf-8"?>
 <ct:contentTypeSchema xmlns:ct="http://schemas.microsoft.com/office/2006/metadata/contentType" xmlns:ma="http://schemas.microsoft.com/office/2006/metadata/properties/metaAttributes" ct:_="" ma:_="" ma:contentTypeName="Document" ma:contentTypeID="0x01010079F111ED35F8CC479449609E8A0923A6" ma:contentTypeVersion="12" ma:contentTypeDescription="Create a new document." ma:contentTypeScope="" ma:versionID="a410dd7f93c95333ffa1b60ed6adedd1">
   <xsd:schema xmlns:xsd="http://www.w3.org/2001/XMLSchema" xmlns:xs="http://www.w3.org/2001/XMLSchema" xmlns:p="http://schemas.microsoft.com/office/2006/metadata/properties" xmlns:ns2="71af3243-3dd4-4a8d-8c0d-dd76da1f02a5" xmlns:ns3="16c05727-aa75-4e4a-9b5f-8a80a1165891" targetNamespace="http://schemas.microsoft.com/office/2006/metadata/properties" ma:root="true" ma:fieldsID="a936d9baba76aa3866493feff160faab" ns2:_="" ns3:_="">
     <xsd:import namespace="71af3243-3dd4-4a8d-8c0d-dd76da1f02a5"/>
@@ -10548,6 +10785,15 @@
 </ct:contentTypeSchema>
 </file>
 
+<file path=customXml/item2.xml><?xml version="1.0" encoding="utf-8"?>
+<?mso-contentType ?>
+<FormTemplates xmlns="http://schemas.microsoft.com/sharepoint/v3/contenttype/forms">
+  <Display>DocumentLibraryForm</Display>
+  <Edit>DocumentLibraryForm</Edit>
+  <New>DocumentLibraryForm</New>
+</FormTemplates>
+</file>
+
 <file path=customXml/item3.xml><?xml version="1.0" encoding="utf-8"?>
 <p:properties xmlns:p="http://schemas.microsoft.com/office/2006/metadata/properties" xmlns:xsi="http://www.w3.org/2001/XMLSchema-instance" xmlns:pc="http://schemas.microsoft.com/office/infopath/2007/PartnerControls">
   <documentManagement>
@@ -10558,14 +10804,6 @@
 </file>
 
 <file path=customXml/itemProps1.xml><?xml version="1.0" encoding="utf-8"?>
-<ds:datastoreItem xmlns:ds="http://schemas.openxmlformats.org/officeDocument/2006/customXml" ds:itemID="{AA3F7EDC-E5B4-4BBC-9D2A-CBE6D46C37AD}">
-  <ds:schemaRefs>
-    <ds:schemaRef ds:uri="http://schemas.microsoft.com/sharepoint/v3/contenttype/forms"/>
-  </ds:schemaRefs>
-</ds:datastoreItem>
-</file>
-
-<file path=customXml/itemProps2.xml><?xml version="1.0" encoding="utf-8"?>
 <ds:datastoreItem xmlns:ds="http://schemas.openxmlformats.org/officeDocument/2006/customXml" ds:itemID="{93932EF5-314F-409E-8020-FEE5FA0795B9}">
   <ds:schemaRefs>
     <ds:schemaRef ds:uri="http://schemas.microsoft.com/office/2006/metadata/contentType"/>
@@ -10584,6 +10822,14 @@
 </ds:datastoreItem>
 </file>
 
+<file path=customXml/itemProps2.xml><?xml version="1.0" encoding="utf-8"?>
+<ds:datastoreItem xmlns:ds="http://schemas.openxmlformats.org/officeDocument/2006/customXml" ds:itemID="{AA3F7EDC-E5B4-4BBC-9D2A-CBE6D46C37AD}">
+  <ds:schemaRefs>
+    <ds:schemaRef ds:uri="http://schemas.microsoft.com/sharepoint/v3/contenttype/forms"/>
+  </ds:schemaRefs>
+</ds:datastoreItem>
+</file>
+
 <file path=customXml/itemProps3.xml><?xml version="1.0" encoding="utf-8"?>
 <ds:datastoreItem xmlns:ds="http://schemas.openxmlformats.org/officeDocument/2006/customXml" ds:itemID="{A03EEFF0-FB57-4CB4-8BFC-DF397689E2ED}">
   <ds:schemaRefs>
